--- a/zz_to_delete/immortal_time_bias.pptx
+++ b/zz_to_delete/immortal_time_bias.pptx
@@ -4427,7 +4427,7 @@
         </p:nvSpPr>
         <p:spPr>
           <a:xfrm>
-            <a:off x="7143882" y="3665314"/>
+            <a:off x="7406640" y="3688525"/>
             <a:ext cx="4371012" cy="246221"/>
           </a:xfrm>
           <a:prstGeom prst="rect">
@@ -4447,7 +4447,7 @@
                   <a:srgbClr val="C00000"/>
                 </a:solidFill>
               </a:rPr>
-              <a:t>Actual time as winner correctly classified as ‘winning’</a:t>
+              <a:t>Actual time as winner classified as ‘winning’</a:t>
             </a:r>
           </a:p>
         </p:txBody>
@@ -4505,8 +4505,8 @@
         </p:nvSpPr>
         <p:spPr>
           <a:xfrm>
-            <a:off x="4548446" y="3664462"/>
-            <a:ext cx="4371012" cy="246221"/>
+            <a:off x="4344720" y="3674837"/>
+            <a:ext cx="2975416" cy="246221"/>
           </a:xfrm>
           <a:prstGeom prst="rect">
             <a:avLst/>
@@ -4525,7 +4525,7 @@
                   <a:srgbClr val="00B0F0"/>
                 </a:solidFill>
               </a:rPr>
-              <a:t>Immortal time classified as ‘non-winning’</a:t>
+              <a:t>Immortal time correctly classified as ‘non-winning’</a:t>
             </a:r>
           </a:p>
         </p:txBody>
